--- a/slides/algorithm_analysis.pptx
+++ b/slides/algorithm_analysis.pptx
@@ -273,7 +273,7 @@
           <a:p>
             <a:fld id="{6BA546CD-0611-7545-8F55-072F0299D807}" type="datetimeFigureOut">
               <a:rPr lang="en-US" smtClean="0"/>
-              <a:t>9/26/21</a:t>
+              <a:t>9/28/21</a:t>
             </a:fld>
             <a:endParaRPr lang="en-US"/>
           </a:p>
@@ -7942,7 +7942,7 @@
           <a:p>
             <a:fld id="{9DCA369C-CB3F-4260-86E8-FD3F54C73225}" type="datetimeFigureOut">
               <a:rPr lang="en-US" smtClean="0"/>
-              <a:t>9/26/21</a:t>
+              <a:t>9/28/21</a:t>
             </a:fld>
             <a:endParaRPr lang="en-US"/>
           </a:p>
@@ -8208,7 +8208,7 @@
           <a:p>
             <a:fld id="{9DCA369C-CB3F-4260-86E8-FD3F54C73225}" type="datetimeFigureOut">
               <a:rPr lang="en-US" smtClean="0"/>
-              <a:t>9/26/21</a:t>
+              <a:t>9/28/21</a:t>
             </a:fld>
             <a:endParaRPr lang="en-US"/>
           </a:p>
@@ -8416,7 +8416,7 @@
           <a:p>
             <a:fld id="{9DCA369C-CB3F-4260-86E8-FD3F54C73225}" type="datetimeFigureOut">
               <a:rPr lang="en-US" smtClean="0"/>
-              <a:t>9/26/21</a:t>
+              <a:t>9/28/21</a:t>
             </a:fld>
             <a:endParaRPr lang="en-US"/>
           </a:p>
@@ -8664,7 +8664,7 @@
           <a:p>
             <a:fld id="{9DCA369C-CB3F-4260-86E8-FD3F54C73225}" type="datetimeFigureOut">
               <a:rPr lang="en-US" smtClean="0"/>
-              <a:t>9/26/21</a:t>
+              <a:t>9/28/21</a:t>
             </a:fld>
             <a:endParaRPr lang="en-US"/>
           </a:p>
@@ -9020,7 +9020,7 @@
           <a:p>
             <a:fld id="{9DCA369C-CB3F-4260-86E8-FD3F54C73225}" type="datetimeFigureOut">
               <a:rPr lang="en-US" smtClean="0"/>
-              <a:t>9/26/21</a:t>
+              <a:t>9/28/21</a:t>
             </a:fld>
             <a:endParaRPr lang="en-US"/>
           </a:p>
@@ -9285,7 +9285,7 @@
           <a:p>
             <a:fld id="{9DCA369C-CB3F-4260-86E8-FD3F54C73225}" type="datetimeFigureOut">
               <a:rPr lang="en-US" smtClean="0"/>
-              <a:t>9/26/21</a:t>
+              <a:t>9/28/21</a:t>
             </a:fld>
             <a:endParaRPr lang="en-US"/>
           </a:p>
@@ -9697,7 +9697,7 @@
           <a:p>
             <a:fld id="{9DCA369C-CB3F-4260-86E8-FD3F54C73225}" type="datetimeFigureOut">
               <a:rPr lang="en-US" smtClean="0"/>
-              <a:t>9/26/21</a:t>
+              <a:t>9/28/21</a:t>
             </a:fld>
             <a:endParaRPr lang="en-US"/>
           </a:p>
@@ -9838,7 +9838,7 @@
           <a:p>
             <a:fld id="{9DCA369C-CB3F-4260-86E8-FD3F54C73225}" type="datetimeFigureOut">
               <a:rPr lang="en-US" smtClean="0"/>
-              <a:t>9/26/21</a:t>
+              <a:t>9/28/21</a:t>
             </a:fld>
             <a:endParaRPr lang="en-US"/>
           </a:p>
@@ -9951,7 +9951,7 @@
           <a:p>
             <a:fld id="{9DCA369C-CB3F-4260-86E8-FD3F54C73225}" type="datetimeFigureOut">
               <a:rPr lang="en-US" smtClean="0"/>
-              <a:t>9/26/21</a:t>
+              <a:t>9/28/21</a:t>
             </a:fld>
             <a:endParaRPr lang="en-US"/>
           </a:p>
@@ -10262,7 +10262,7 @@
           <a:p>
             <a:fld id="{9DCA369C-CB3F-4260-86E8-FD3F54C73225}" type="datetimeFigureOut">
               <a:rPr lang="en-US" smtClean="0"/>
-              <a:t>9/26/21</a:t>
+              <a:t>9/28/21</a:t>
             </a:fld>
             <a:endParaRPr lang="en-US"/>
           </a:p>
@@ -10550,7 +10550,7 @@
           <a:p>
             <a:fld id="{9DCA369C-CB3F-4260-86E8-FD3F54C73225}" type="datetimeFigureOut">
               <a:rPr lang="en-US" smtClean="0"/>
-              <a:t>9/26/21</a:t>
+              <a:t>9/28/21</a:t>
             </a:fld>
             <a:endParaRPr lang="en-US"/>
           </a:p>
@@ -10791,7 +10791,7 @@
           <a:p>
             <a:fld id="{9DCA369C-CB3F-4260-86E8-FD3F54C73225}" type="datetimeFigureOut">
               <a:rPr lang="en-US" smtClean="0"/>
-              <a:t>9/26/21</a:t>
+              <a:t>9/28/21</a:t>
             </a:fld>
             <a:endParaRPr lang="en-US"/>
           </a:p>
@@ -12109,21 +12109,21 @@
                 <a:latin typeface="Arial" charset="0"/>
                 <a:cs typeface="Arial" charset="0"/>
               </a:rPr>
-              <a:t>A quick test on </a:t>
+              <a:t>A quick test on a </a:t>
             </a:r>
             <a:r>
               <a:rPr lang="en-US" dirty="0" err="1">
-                <a:latin typeface="Consolas" pitchFamily="49" charset="0"/>
-                <a:cs typeface="Arial" charset="0"/>
-              </a:rPr>
-              <a:t>eceunix</a:t>
-            </a:r>
-            <a:r>
-              <a:rPr lang="en-US" dirty="0">
-                <a:latin typeface="Arial" charset="0"/>
-                <a:cs typeface="Arial" charset="0"/>
-              </a:rPr>
-              <a:t> shows a factor of over 100</a:t>
+                <a:latin typeface="Arial" charset="0"/>
+                <a:cs typeface="Arial" charset="0"/>
+              </a:rPr>
+              <a:t>linux</a:t>
+            </a:r>
+            <a:r>
+              <a:rPr lang="en-US" dirty="0">
+                <a:latin typeface="Arial" charset="0"/>
+                <a:cs typeface="Arial" charset="0"/>
+              </a:rPr>
+              <a:t> machine shows a factor of over 100</a:t>
             </a:r>
           </a:p>
           <a:p>
@@ -12278,7 +12278,7 @@
         </p:spPr>
         <p:txBody>
           <a:bodyPr>
-            <a:normAutofit lnSpcReduction="10000"/>
+            <a:normAutofit/>
           </a:bodyPr>
           <a:lstStyle/>
           <a:p>
@@ -12441,77 +12441,18 @@
               <a:buNone/>
             </a:pPr>
             <a:r>
-              <a:rPr lang="en-US" dirty="0">
+              <a:rPr lang="en-US">
                 <a:latin typeface="Consolas" pitchFamily="49" charset="0"/>
                 <a:cs typeface="Arial" charset="0"/>
               </a:rPr>
-              <a:t>// </a:t>
-            </a:r>
-            <a:r>
-              <a:rPr lang="en-US" dirty="0" err="1">
+              <a:t>++</a:t>
+            </a:r>
+            <a:r>
+              <a:rPr lang="en-US" dirty="0">
                 <a:latin typeface="Consolas" pitchFamily="49" charset="0"/>
                 <a:cs typeface="Arial" charset="0"/>
               </a:rPr>
-              <a:t>ece.uwaterloo.ca</a:t>
-            </a:r>
-            <a:r>
-              <a:rPr lang="en-US" dirty="0">
-                <a:latin typeface="Consolas" pitchFamily="49" charset="0"/>
-                <a:cs typeface="Arial" charset="0"/>
-              </a:rPr>
-              <a:t>/~ece250/Algorithms/</a:t>
-            </a:r>
-            <a:r>
-              <a:rPr lang="en-US" dirty="0" err="1">
-                <a:latin typeface="Consolas" pitchFamily="49" charset="0"/>
-                <a:cs typeface="Arial" charset="0"/>
-              </a:rPr>
-              <a:t>Skip_lists</a:t>
-            </a:r>
-            <a:r>
-              <a:rPr lang="en-US" dirty="0">
-                <a:latin typeface="Consolas" pitchFamily="49" charset="0"/>
-                <a:cs typeface="Arial" charset="0"/>
-              </a:rPr>
-              <a:t>/</a:t>
-            </a:r>
-            <a:r>
-              <a:rPr lang="en-US" dirty="0" err="1">
-                <a:latin typeface="Consolas" pitchFamily="49" charset="0"/>
-                <a:cs typeface="Arial" charset="0"/>
-              </a:rPr>
-              <a:t>src</a:t>
-            </a:r>
-            <a:r>
-              <a:rPr lang="en-US" dirty="0">
-                <a:latin typeface="Consolas" pitchFamily="49" charset="0"/>
-                <a:cs typeface="Arial" charset="0"/>
-              </a:rPr>
-              <a:t>/</a:t>
-            </a:r>
-            <a:r>
-              <a:rPr lang="en-US" dirty="0" err="1">
-                <a:latin typeface="Consolas" pitchFamily="49" charset="0"/>
-                <a:cs typeface="Arial" charset="0"/>
-              </a:rPr>
-              <a:t>Skip_list.h</a:t>
-            </a:r>
-            <a:endParaRPr lang="en-US" dirty="0">
-              <a:latin typeface="Consolas" pitchFamily="49" charset="0"/>
-              <a:cs typeface="Arial" charset="0"/>
-            </a:endParaRPr>
-          </a:p>
-          <a:p>
-            <a:pPr lvl="2">
-              <a:buFont typeface="Arial" charset="0"/>
-              <a:buNone/>
-            </a:pPr>
-            <a:r>
-              <a:rPr lang="en-US" dirty="0">
-                <a:latin typeface="Consolas" pitchFamily="49" charset="0"/>
-                <a:cs typeface="Arial" charset="0"/>
-              </a:rPr>
-              <a:t>++index;</a:t>
+              <a:t>index;</a:t>
             </a:r>
           </a:p>
           <a:p>
@@ -18528,7 +18469,7 @@
           <a:graphicData uri="http://schemas.openxmlformats.org/presentationml/2006/ole">
             <mc:AlternateContent xmlns:mc="http://schemas.openxmlformats.org/markup-compatibility/2006">
               <mc:Choice xmlns:v="urn:schemas-microsoft-com:vml" Requires="v">
-                <p:oleObj spid="_x0000_s4134" name="Equation" r:id="rId4" imgW="1739880" imgH="457200" progId="Equation.3">
+                <p:oleObj spid="_x0000_s4139" name="Equation" r:id="rId4" imgW="1739880" imgH="457200" progId="Equation.3">
                   <p:embed/>
                 </p:oleObj>
               </mc:Choice>
@@ -18825,7 +18766,7 @@
           <a:graphicData uri="http://schemas.openxmlformats.org/presentationml/2006/ole">
             <mc:AlternateContent xmlns:mc="http://schemas.openxmlformats.org/markup-compatibility/2006">
               <mc:Choice xmlns:v="urn:schemas-microsoft-com:vml" Requires="v">
-                <p:oleObj spid="_x0000_s5185" name="Equation" r:id="rId4" imgW="1193760" imgH="393480" progId="Equation.DSMT4">
+                <p:oleObj spid="_x0000_s5190" name="Equation" r:id="rId4" imgW="1193760" imgH="393480" progId="Equation.DSMT4">
                   <p:embed/>
                 </p:oleObj>
               </mc:Choice>
@@ -19121,7 +19062,7 @@
           <a:graphicData uri="http://schemas.openxmlformats.org/presentationml/2006/ole">
             <mc:AlternateContent xmlns:mc="http://schemas.openxmlformats.org/markup-compatibility/2006">
               <mc:Choice xmlns:v="urn:schemas-microsoft-com:vml" Requires="v">
-                <p:oleObj spid="_x0000_s6182" name="Equation" r:id="rId4" imgW="3340080" imgH="419040" progId="Equation.DSMT4">
+                <p:oleObj spid="_x0000_s6187" name="Equation" r:id="rId4" imgW="3340080" imgH="419040" progId="Equation.DSMT4">
                   <p:embed/>
                 </p:oleObj>
               </mc:Choice>
@@ -25093,7 +25034,7 @@
           <a:graphicData uri="http://schemas.openxmlformats.org/presentationml/2006/ole">
             <mc:AlternateContent xmlns:mc="http://schemas.openxmlformats.org/markup-compatibility/2006">
               <mc:Choice xmlns:v="urn:schemas-microsoft-com:vml" Requires="v">
-                <p:oleObj spid="_x0000_s7243" name="Equation" r:id="rId4" imgW="317160" imgH="203040" progId="Equation.DSMT4">
+                <p:oleObj spid="_x0000_s7253" name="Equation" r:id="rId4" imgW="317160" imgH="203040" progId="Equation.DSMT4">
                   <p:embed/>
                 </p:oleObj>
               </mc:Choice>
@@ -25163,7 +25104,7 @@
           <a:graphicData uri="http://schemas.openxmlformats.org/presentationml/2006/ole">
             <mc:AlternateContent xmlns:mc="http://schemas.openxmlformats.org/markup-compatibility/2006">
               <mc:Choice xmlns:v="urn:schemas-microsoft-com:vml" Requires="v">
-                <p:oleObj spid="_x0000_s7244" name="Equation" r:id="rId6" imgW="927000" imgH="228600" progId="Equation.DSMT4">
+                <p:oleObj spid="_x0000_s7254" name="Equation" r:id="rId6" imgW="927000" imgH="228600" progId="Equation.DSMT4">
                   <p:embed/>
                 </p:oleObj>
               </mc:Choice>
@@ -25367,7 +25308,7 @@
           <a:graphicData uri="http://schemas.openxmlformats.org/presentationml/2006/ole">
             <mc:AlternateContent xmlns:mc="http://schemas.openxmlformats.org/markup-compatibility/2006">
               <mc:Choice xmlns:v="urn:schemas-microsoft-com:vml" Requires="v">
-                <p:oleObj spid="_x0000_s8230" name="Equation" r:id="rId4" imgW="1981080" imgH="482400" progId="Equation.3">
+                <p:oleObj spid="_x0000_s8235" name="Equation" r:id="rId4" imgW="1981080" imgH="482400" progId="Equation.3">
                   <p:embed/>
                 </p:oleObj>
               </mc:Choice>
@@ -25669,7 +25610,7 @@
           <a:lstStyle/>
           <a:p>
             <a:r>
-              <a:rPr lang="en-US" dirty="0">
+              <a:rPr lang="en-US" b="1" dirty="0">
                 <a:solidFill>
                   <a:srgbClr val="000000"/>
                 </a:solidFill>
@@ -25678,7 +25619,7 @@
               </a:rPr>
               <a:t>Recursive Functions</a:t>
             </a:r>
-            <a:endParaRPr lang="en-US" sz="3200" dirty="0">
+            <a:endParaRPr lang="en-US" sz="3200" b="1" dirty="0">
               <a:latin typeface="Arial" charset="0"/>
               <a:cs typeface="Arial" charset="0"/>
             </a:endParaRPr>
@@ -26111,134 +26052,6 @@
   <p:clrMapOvr>
     <a:masterClrMapping/>
   </p:clrMapOvr>
-  <p:timing>
-    <p:tnLst>
-      <p:par>
-        <p:cTn id="1" dur="indefinite" restart="never" nodeType="tmRoot">
-          <p:childTnLst>
-            <p:seq concurrent="1" nextAc="seek">
-              <p:cTn id="2" dur="indefinite" nodeType="mainSeq">
-                <p:childTnLst>
-                  <p:par>
-                    <p:cTn id="3" fill="hold">
-                      <p:stCondLst>
-                        <p:cond delay="indefinite"/>
-                      </p:stCondLst>
-                      <p:childTnLst>
-                        <p:par>
-                          <p:cTn id="4" fill="hold">
-                            <p:stCondLst>
-                              <p:cond delay="0"/>
-                            </p:stCondLst>
-                            <p:childTnLst>
-                              <p:par>
-                                <p:cTn id="5" presetID="1" presetClass="entr" presetSubtype="0" fill="hold" nodeType="clickEffect">
-                                  <p:stCondLst>
-                                    <p:cond delay="0"/>
-                                  </p:stCondLst>
-                                  <p:childTnLst>
-                                    <p:set>
-                                      <p:cBhvr>
-                                        <p:cTn id="6" dur="1" fill="hold">
-                                          <p:stCondLst>
-                                            <p:cond delay="0"/>
-                                          </p:stCondLst>
-                                        </p:cTn>
-                                        <p:tgtEl>
-                                          <p:spTgt spid="191491">
-                                            <p:txEl>
-                                              <p:pRg st="4" end="4"/>
-                                            </p:txEl>
-                                          </p:spTgt>
-                                        </p:tgtEl>
-                                        <p:attrNameLst>
-                                          <p:attrName>style.visibility</p:attrName>
-                                        </p:attrNameLst>
-                                      </p:cBhvr>
-                                      <p:to>
-                                        <p:strVal val="visible"/>
-                                      </p:to>
-                                    </p:set>
-                                  </p:childTnLst>
-                                </p:cTn>
-                              </p:par>
-                            </p:childTnLst>
-                          </p:cTn>
-                        </p:par>
-                      </p:childTnLst>
-                    </p:cTn>
-                  </p:par>
-                  <p:par>
-                    <p:cTn id="7" fill="hold">
-                      <p:stCondLst>
-                        <p:cond delay="indefinite"/>
-                      </p:stCondLst>
-                      <p:childTnLst>
-                        <p:par>
-                          <p:cTn id="8" fill="hold">
-                            <p:stCondLst>
-                              <p:cond delay="0"/>
-                            </p:stCondLst>
-                            <p:childTnLst>
-                              <p:par>
-                                <p:cTn id="9" presetID="1" presetClass="entr" presetSubtype="0" fill="hold" nodeType="clickEffect">
-                                  <p:stCondLst>
-                                    <p:cond delay="0"/>
-                                  </p:stCondLst>
-                                  <p:childTnLst>
-                                    <p:set>
-                                      <p:cBhvr>
-                                        <p:cTn id="10" dur="1" fill="hold">
-                                          <p:stCondLst>
-                                            <p:cond delay="0"/>
-                                          </p:stCondLst>
-                                        </p:cTn>
-                                        <p:tgtEl>
-                                          <p:spTgt spid="191491">
-                                            <p:txEl>
-                                              <p:pRg st="5" end="5"/>
-                                            </p:txEl>
-                                          </p:spTgt>
-                                        </p:tgtEl>
-                                        <p:attrNameLst>
-                                          <p:attrName>style.visibility</p:attrName>
-                                        </p:attrNameLst>
-                                      </p:cBhvr>
-                                      <p:to>
-                                        <p:strVal val="visible"/>
-                                      </p:to>
-                                    </p:set>
-                                  </p:childTnLst>
-                                </p:cTn>
-                              </p:par>
-                            </p:childTnLst>
-                          </p:cTn>
-                        </p:par>
-                      </p:childTnLst>
-                    </p:cTn>
-                  </p:par>
-                </p:childTnLst>
-              </p:cTn>
-              <p:prevCondLst>
-                <p:cond evt="onPrev" delay="0">
-                  <p:tgtEl>
-                    <p:sldTgt/>
-                  </p:tgtEl>
-                </p:cond>
-              </p:prevCondLst>
-              <p:nextCondLst>
-                <p:cond evt="onNext" delay="0">
-                  <p:tgtEl>
-                    <p:sldTgt/>
-                  </p:tgtEl>
-                </p:cond>
-              </p:nextCondLst>
-            </p:seq>
-          </p:childTnLst>
-        </p:cTn>
-      </p:par>
-    </p:tnLst>
-  </p:timing>
 </p:sld>
 </file>
 
@@ -26410,227 +26223,6 @@
   <p:clrMapOvr>
     <a:masterClrMapping/>
   </p:clrMapOvr>
-  <p:timing>
-    <p:tnLst>
-      <p:par>
-        <p:cTn id="1" dur="indefinite" restart="never" nodeType="tmRoot">
-          <p:childTnLst>
-            <p:seq concurrent="1" nextAc="seek">
-              <p:cTn id="2" dur="indefinite" nodeType="mainSeq">
-                <p:childTnLst>
-                  <p:par>
-                    <p:cTn id="3" fill="hold">
-                      <p:stCondLst>
-                        <p:cond delay="indefinite"/>
-                      </p:stCondLst>
-                      <p:childTnLst>
-                        <p:par>
-                          <p:cTn id="4" fill="hold">
-                            <p:stCondLst>
-                              <p:cond delay="0"/>
-                            </p:stCondLst>
-                            <p:childTnLst>
-                              <p:par>
-                                <p:cTn id="5" presetID="1" presetClass="entr" presetSubtype="0" fill="hold" nodeType="clickEffect">
-                                  <p:stCondLst>
-                                    <p:cond delay="0"/>
-                                  </p:stCondLst>
-                                  <p:childTnLst>
-                                    <p:set>
-                                      <p:cBhvr>
-                                        <p:cTn id="6" dur="1" fill="hold">
-                                          <p:stCondLst>
-                                            <p:cond delay="0"/>
-                                          </p:stCondLst>
-                                        </p:cTn>
-                                        <p:tgtEl>
-                                          <p:spTgt spid="192515">
-                                            <p:txEl>
-                                              <p:pRg st="2" end="2"/>
-                                            </p:txEl>
-                                          </p:spTgt>
-                                        </p:tgtEl>
-                                        <p:attrNameLst>
-                                          <p:attrName>style.visibility</p:attrName>
-                                        </p:attrNameLst>
-                                      </p:cBhvr>
-                                      <p:to>
-                                        <p:strVal val="visible"/>
-                                      </p:to>
-                                    </p:set>
-                                  </p:childTnLst>
-                                </p:cTn>
-                              </p:par>
-                              <p:par>
-                                <p:cTn id="7" presetID="1" presetClass="entr" presetSubtype="0" fill="hold" nodeType="withEffect">
-                                  <p:stCondLst>
-                                    <p:cond delay="0"/>
-                                  </p:stCondLst>
-                                  <p:childTnLst>
-                                    <p:set>
-                                      <p:cBhvr>
-                                        <p:cTn id="8" dur="1" fill="hold">
-                                          <p:stCondLst>
-                                            <p:cond delay="0"/>
-                                          </p:stCondLst>
-                                        </p:cTn>
-                                        <p:tgtEl>
-                                          <p:spTgt spid="192515">
-                                            <p:txEl>
-                                              <p:pRg st="3" end="3"/>
-                                            </p:txEl>
-                                          </p:spTgt>
-                                        </p:tgtEl>
-                                        <p:attrNameLst>
-                                          <p:attrName>style.visibility</p:attrName>
-                                        </p:attrNameLst>
-                                      </p:cBhvr>
-                                      <p:to>
-                                        <p:strVal val="visible"/>
-                                      </p:to>
-                                    </p:set>
-                                  </p:childTnLst>
-                                </p:cTn>
-                              </p:par>
-                              <p:par>
-                                <p:cTn id="9" presetID="1" presetClass="entr" presetSubtype="0" fill="hold" nodeType="withEffect">
-                                  <p:stCondLst>
-                                    <p:cond delay="0"/>
-                                  </p:stCondLst>
-                                  <p:childTnLst>
-                                    <p:set>
-                                      <p:cBhvr>
-                                        <p:cTn id="10" dur="1" fill="hold">
-                                          <p:stCondLst>
-                                            <p:cond delay="0"/>
-                                          </p:stCondLst>
-                                        </p:cTn>
-                                        <p:tgtEl>
-                                          <p:spTgt spid="192515">
-                                            <p:txEl>
-                                              <p:pRg st="4" end="4"/>
-                                            </p:txEl>
-                                          </p:spTgt>
-                                        </p:tgtEl>
-                                        <p:attrNameLst>
-                                          <p:attrName>style.visibility</p:attrName>
-                                        </p:attrNameLst>
-                                      </p:cBhvr>
-                                      <p:to>
-                                        <p:strVal val="visible"/>
-                                      </p:to>
-                                    </p:set>
-                                  </p:childTnLst>
-                                </p:cTn>
-                              </p:par>
-                              <p:par>
-                                <p:cTn id="11" presetID="1" presetClass="entr" presetSubtype="0" fill="hold" nodeType="withEffect">
-                                  <p:stCondLst>
-                                    <p:cond delay="0"/>
-                                  </p:stCondLst>
-                                  <p:childTnLst>
-                                    <p:set>
-                                      <p:cBhvr>
-                                        <p:cTn id="12" dur="1" fill="hold">
-                                          <p:stCondLst>
-                                            <p:cond delay="0"/>
-                                          </p:stCondLst>
-                                        </p:cTn>
-                                        <p:tgtEl>
-                                          <p:spTgt spid="192515">
-                                            <p:txEl>
-                                              <p:pRg st="5" end="5"/>
-                                            </p:txEl>
-                                          </p:spTgt>
-                                        </p:tgtEl>
-                                        <p:attrNameLst>
-                                          <p:attrName>style.visibility</p:attrName>
-                                        </p:attrNameLst>
-                                      </p:cBhvr>
-                                      <p:to>
-                                        <p:strVal val="visible"/>
-                                      </p:to>
-                                    </p:set>
-                                  </p:childTnLst>
-                                </p:cTn>
-                              </p:par>
-                            </p:childTnLst>
-                          </p:cTn>
-                        </p:par>
-                      </p:childTnLst>
-                    </p:cTn>
-                  </p:par>
-                  <p:par>
-                    <p:cTn id="13" fill="hold">
-                      <p:stCondLst>
-                        <p:cond delay="indefinite"/>
-                      </p:stCondLst>
-                      <p:childTnLst>
-                        <p:par>
-                          <p:cTn id="14" fill="hold">
-                            <p:stCondLst>
-                              <p:cond delay="0"/>
-                            </p:stCondLst>
-                            <p:childTnLst>
-                              <p:par>
-                                <p:cTn id="15" presetID="1" presetClass="entr" presetSubtype="0" fill="hold" nodeType="clickEffect">
-                                  <p:stCondLst>
-                                    <p:cond delay="0"/>
-                                  </p:stCondLst>
-                                  <p:childTnLst>
-                                    <p:set>
-                                      <p:cBhvr>
-                                        <p:cTn id="16" dur="1" fill="hold">
-                                          <p:stCondLst>
-                                            <p:cond delay="0"/>
-                                          </p:stCondLst>
-                                        </p:cTn>
-                                        <p:tgtEl>
-                                          <p:spTgt spid="192515">
-                                            <p:txEl>
-                                              <p:pRg st="7" end="7"/>
-                                            </p:txEl>
-                                          </p:spTgt>
-                                        </p:tgtEl>
-                                        <p:attrNameLst>
-                                          <p:attrName>style.visibility</p:attrName>
-                                        </p:attrNameLst>
-                                      </p:cBhvr>
-                                      <p:to>
-                                        <p:strVal val="visible"/>
-                                      </p:to>
-                                    </p:set>
-                                  </p:childTnLst>
-                                </p:cTn>
-                              </p:par>
-                            </p:childTnLst>
-                          </p:cTn>
-                        </p:par>
-                      </p:childTnLst>
-                    </p:cTn>
-                  </p:par>
-                </p:childTnLst>
-              </p:cTn>
-              <p:prevCondLst>
-                <p:cond evt="onPrev" delay="0">
-                  <p:tgtEl>
-                    <p:sldTgt/>
-                  </p:tgtEl>
-                </p:cond>
-              </p:prevCondLst>
-              <p:nextCondLst>
-                <p:cond evt="onNext" delay="0">
-                  <p:tgtEl>
-                    <p:sldTgt/>
-                  </p:tgtEl>
-                </p:cond>
-              </p:nextCondLst>
-            </p:seq>
-          </p:childTnLst>
-        </p:cTn>
-      </p:par>
-    </p:tnLst>
-  </p:timing>
 </p:sld>
 </file>
 
@@ -28510,7 +28102,7 @@
                 <a:latin typeface="Arial" charset="0"/>
                 <a:cs typeface="Arial" charset="0"/>
               </a:rPr>
-              <a:t>Thus, replacing each Landau symbol with a representative, we are required to solve the recurrence relation</a:t>
+              <a:t>Thus, replacing each symbol with a representative, we are required to solve the recurrence relation</a:t>
             </a:r>
           </a:p>
           <a:p>
@@ -29005,7 +28597,7 @@
           <a:graphicData uri="http://schemas.openxmlformats.org/presentationml/2006/ole">
             <mc:AlternateContent xmlns:mc="http://schemas.openxmlformats.org/markup-compatibility/2006">
               <mc:Choice xmlns:v="urn:schemas-microsoft-com:vml" Requires="v">
-                <p:oleObj spid="_x0000_s9254" name="Equation" r:id="rId4" imgW="2844720" imgH="1625400" progId="Equation.3">
+                <p:oleObj spid="_x0000_s9259" name="Equation" r:id="rId4" imgW="2844720" imgH="1625400" progId="Equation.3">
                   <p:embed/>
                 </p:oleObj>
               </mc:Choice>
@@ -29661,7 +29253,7 @@
           <a:graphicData uri="http://schemas.openxmlformats.org/presentationml/2006/ole">
             <mc:AlternateContent xmlns:mc="http://schemas.openxmlformats.org/markup-compatibility/2006">
               <mc:Choice xmlns:v="urn:schemas-microsoft-com:vml" Requires="v">
-                <p:oleObj spid="_x0000_s10278" name="Equation" r:id="rId4" imgW="1765080" imgH="609480" progId="Equation.3">
+                <p:oleObj spid="_x0000_s10283" name="Equation" r:id="rId4" imgW="1765080" imgH="609480" progId="Equation.3">
                   <p:embed/>
                 </p:oleObj>
               </mc:Choice>
@@ -30170,7 +29762,7 @@
           <a:graphicData uri="http://schemas.openxmlformats.org/presentationml/2006/ole">
             <mc:AlternateContent xmlns:mc="http://schemas.openxmlformats.org/markup-compatibility/2006">
               <mc:Choice xmlns:v="urn:schemas-microsoft-com:vml" Requires="v">
-                <p:oleObj spid="_x0000_s11302" name="Equation" r:id="rId4" imgW="1815840" imgH="1981080" progId="Equation.3">
+                <p:oleObj spid="_x0000_s11307" name="Equation" r:id="rId4" imgW="1815840" imgH="1981080" progId="Equation.3">
                   <p:embed/>
                 </p:oleObj>
               </mc:Choice>
@@ -30315,7 +29907,7 @@
           <a:graphicData uri="http://schemas.openxmlformats.org/presentationml/2006/ole">
             <mc:AlternateContent xmlns:mc="http://schemas.openxmlformats.org/markup-compatibility/2006">
               <mc:Choice xmlns:v="urn:schemas-microsoft-com:vml" Requires="v">
-                <p:oleObj spid="_x0000_s12326" name="Equation" r:id="rId4" imgW="1485720" imgH="1460160" progId="Equation.3">
+                <p:oleObj spid="_x0000_s12331" name="Equation" r:id="rId4" imgW="1485720" imgH="1460160" progId="Equation.3">
                   <p:embed/>
                 </p:oleObj>
               </mc:Choice>
@@ -30764,7 +30356,7 @@
           <a:graphicData uri="http://schemas.openxmlformats.org/presentationml/2006/ole">
             <mc:AlternateContent xmlns:mc="http://schemas.openxmlformats.org/markup-compatibility/2006">
               <mc:Choice xmlns:v="urn:schemas-microsoft-com:vml" Requires="v">
-                <p:oleObj spid="_x0000_s13350" name="Equation" r:id="rId4" imgW="1765080" imgH="723600" progId="Equation.3">
+                <p:oleObj spid="_x0000_s13355" name="Equation" r:id="rId4" imgW="1765080" imgH="723600" progId="Equation.3">
                   <p:embed/>
                 </p:oleObj>
               </mc:Choice>
@@ -31271,7 +30863,7 @@
           <a:graphicData uri="http://schemas.openxmlformats.org/presentationml/2006/ole">
             <mc:AlternateContent xmlns:mc="http://schemas.openxmlformats.org/markup-compatibility/2006">
               <mc:Choice xmlns:v="urn:schemas-microsoft-com:vml" Requires="v">
-                <p:oleObj spid="_x0000_s14448" name="Equation" r:id="rId4" imgW="3619440" imgH="812520" progId="Equation.DSMT4">
+                <p:oleObj spid="_x0000_s14463" name="Equation" r:id="rId4" imgW="3619440" imgH="812520" progId="Equation.DSMT4">
                   <p:embed/>
                 </p:oleObj>
               </mc:Choice>
@@ -31341,7 +30933,7 @@
           <a:graphicData uri="http://schemas.openxmlformats.org/presentationml/2006/ole">
             <mc:AlternateContent xmlns:mc="http://schemas.openxmlformats.org/markup-compatibility/2006">
               <mc:Choice xmlns:v="urn:schemas-microsoft-com:vml" Requires="v">
-                <p:oleObj spid="_x0000_s14449" name="Equation" r:id="rId6" imgW="838080" imgH="469800" progId="Equation.DSMT4">
+                <p:oleObj spid="_x0000_s14464" name="Equation" r:id="rId6" imgW="838080" imgH="469800" progId="Equation.DSMT4">
                   <p:embed/>
                 </p:oleObj>
               </mc:Choice>
@@ -31417,7 +31009,7 @@
           <a:graphicData uri="http://schemas.openxmlformats.org/presentationml/2006/ole">
             <mc:AlternateContent xmlns:mc="http://schemas.openxmlformats.org/markup-compatibility/2006">
               <mc:Choice xmlns:v="urn:schemas-microsoft-com:vml" Requires="v">
-                <p:oleObj spid="_x0000_s14450" name="Equation" r:id="rId8" imgW="596880" imgH="177480" progId="Equation.DSMT4">
+                <p:oleObj spid="_x0000_s14465" name="Equation" r:id="rId8" imgW="596880" imgH="177480" progId="Equation.DSMT4">
                   <p:embed/>
                 </p:oleObj>
               </mc:Choice>
